--- a/Week 13 Deliverables/BANK-MARKETING-CAMPAIGN.pptx
+++ b/Week 13 Deliverables/BANK-MARKETING-CAMPAIGN.pptx
@@ -5,7 +5,7 @@
     <p:sldMasterId id="2147483720" r:id="rId1"/>
   </p:sldMasterIdLst>
   <p:notesMasterIdLst>
-    <p:notesMasterId r:id="rId22"/>
+    <p:notesMasterId r:id="rId24"/>
   </p:notesMasterIdLst>
   <p:sldIdLst>
     <p:sldId id="256" r:id="rId2"/>
@@ -26,8 +26,10 @@
     <p:sldId id="284" r:id="rId17"/>
     <p:sldId id="285" r:id="rId18"/>
     <p:sldId id="286" r:id="rId19"/>
-    <p:sldId id="287" r:id="rId20"/>
-    <p:sldId id="268" r:id="rId21"/>
+    <p:sldId id="288" r:id="rId20"/>
+    <p:sldId id="289" r:id="rId21"/>
+    <p:sldId id="287" r:id="rId22"/>
+    <p:sldId id="268" r:id="rId23"/>
   </p:sldIdLst>
   <p:sldSz cx="12192000" cy="6858000"/>
   <p:notesSz cx="6858000" cy="9144000"/>
@@ -236,7 +238,7 @@
           <a:p>
             <a:fld id="{A47514B0-1158-401D-939F-AC935B00D1EA}" type="datetimeFigureOut">
               <a:rPr lang="el-GR" smtClean="0"/>
-              <a:t>4/10/2021</a:t>
+              <a:t>6/10/2021</a:t>
             </a:fld>
             <a:endParaRPr lang="el-GR"/>
           </a:p>
@@ -718,7 +720,7 @@
           <a:p>
             <a:fld id="{C764DE79-268F-4C1A-8933-263129D2AF90}" type="datetimeFigureOut">
               <a:rPr lang="en-US" smtClean="0"/>
-              <a:t>10/4/2021</a:t>
+              <a:t>10/6/2021</a:t>
             </a:fld>
             <a:endParaRPr lang="en-US"/>
           </a:p>
@@ -888,7 +890,7 @@
           <a:p>
             <a:fld id="{C764DE79-268F-4C1A-8933-263129D2AF90}" type="datetimeFigureOut">
               <a:rPr lang="en-US" smtClean="0"/>
-              <a:t>10/4/2021</a:t>
+              <a:t>10/6/2021</a:t>
             </a:fld>
             <a:endParaRPr lang="en-US"/>
           </a:p>
@@ -1068,7 +1070,7 @@
           <a:p>
             <a:fld id="{C764DE79-268F-4C1A-8933-263129D2AF90}" type="datetimeFigureOut">
               <a:rPr lang="en-US" smtClean="0"/>
-              <a:t>10/4/2021</a:t>
+              <a:t>10/6/2021</a:t>
             </a:fld>
             <a:endParaRPr lang="en-US"/>
           </a:p>
@@ -1238,7 +1240,7 @@
           <a:p>
             <a:fld id="{C764DE79-268F-4C1A-8933-263129D2AF90}" type="datetimeFigureOut">
               <a:rPr lang="en-US" smtClean="0"/>
-              <a:t>10/4/2021</a:t>
+              <a:t>10/6/2021</a:t>
             </a:fld>
             <a:endParaRPr lang="en-US"/>
           </a:p>
@@ -1484,7 +1486,7 @@
           <a:p>
             <a:fld id="{C764DE79-268F-4C1A-8933-263129D2AF90}" type="datetimeFigureOut">
               <a:rPr lang="en-US" smtClean="0"/>
-              <a:t>10/4/2021</a:t>
+              <a:t>10/6/2021</a:t>
             </a:fld>
             <a:endParaRPr lang="en-US"/>
           </a:p>
@@ -1716,7 +1718,7 @@
           <a:p>
             <a:fld id="{C764DE79-268F-4C1A-8933-263129D2AF90}" type="datetimeFigureOut">
               <a:rPr lang="en-US" smtClean="0"/>
-              <a:t>10/4/2021</a:t>
+              <a:t>10/6/2021</a:t>
             </a:fld>
             <a:endParaRPr lang="en-US"/>
           </a:p>
@@ -2083,7 +2085,7 @@
           <a:p>
             <a:fld id="{C764DE79-268F-4C1A-8933-263129D2AF90}" type="datetimeFigureOut">
               <a:rPr lang="en-US" smtClean="0"/>
-              <a:t>10/4/2021</a:t>
+              <a:t>10/6/2021</a:t>
             </a:fld>
             <a:endParaRPr lang="en-US"/>
           </a:p>
@@ -2201,7 +2203,7 @@
           <a:p>
             <a:fld id="{C764DE79-268F-4C1A-8933-263129D2AF90}" type="datetimeFigureOut">
               <a:rPr lang="en-US" smtClean="0"/>
-              <a:t>10/4/2021</a:t>
+              <a:t>10/6/2021</a:t>
             </a:fld>
             <a:endParaRPr lang="en-US"/>
           </a:p>
@@ -2296,7 +2298,7 @@
           <a:p>
             <a:fld id="{C764DE79-268F-4C1A-8933-263129D2AF90}" type="datetimeFigureOut">
               <a:rPr lang="en-US" smtClean="0"/>
-              <a:t>10/4/2021</a:t>
+              <a:t>10/6/2021</a:t>
             </a:fld>
             <a:endParaRPr lang="en-US"/>
           </a:p>
@@ -2573,7 +2575,7 @@
           <a:p>
             <a:fld id="{C764DE79-268F-4C1A-8933-263129D2AF90}" type="datetimeFigureOut">
               <a:rPr lang="en-US" smtClean="0"/>
-              <a:t>10/4/2021</a:t>
+              <a:t>10/6/2021</a:t>
             </a:fld>
             <a:endParaRPr lang="en-US"/>
           </a:p>
@@ -2830,7 +2832,7 @@
           <a:p>
             <a:fld id="{C764DE79-268F-4C1A-8933-263129D2AF90}" type="datetimeFigureOut">
               <a:rPr lang="en-US" smtClean="0"/>
-              <a:t>10/4/2021</a:t>
+              <a:t>10/6/2021</a:t>
             </a:fld>
             <a:endParaRPr lang="en-US"/>
           </a:p>
@@ -3043,7 +3045,7 @@
           <a:p>
             <a:fld id="{C764DE79-268F-4C1A-8933-263129D2AF90}" type="datetimeFigureOut">
               <a:rPr lang="en-US" smtClean="0"/>
-              <a:t>10/4/2021</a:t>
+              <a:t>10/6/2021</a:t>
             </a:fld>
             <a:endParaRPr lang="en-US"/>
           </a:p>
@@ -5661,12 +5663,12 @@
           <a:lstStyle/>
           <a:p>
             <a:r>
-              <a:rPr lang="en-US" sz="4000" dirty="0" smtClean="0">
+              <a:rPr lang="en-US" sz="4000" dirty="0">
                 <a:solidFill>
                   <a:schemeClr val="accent2"/>
                 </a:solidFill>
               </a:rPr>
-              <a:t>Final Model Selection</a:t>
+              <a:t>Results – Metrics</a:t>
             </a:r>
             <a:endParaRPr lang="el-GR" sz="4000" dirty="0">
               <a:solidFill>
@@ -5705,189 +5707,59 @@
           <a:lstStyle/>
           <a:p>
             <a:r>
-              <a:rPr lang="en-US" sz="2000" dirty="0" smtClean="0">
-                <a:latin typeface="Calibri" panose="020F0502020204030204" pitchFamily="34" charset="0"/>
-                <a:ea typeface="Calibri" panose="020F0502020204030204" pitchFamily="34" charset="0"/>
-                <a:cs typeface="Arial" panose="020B0604020202020204" pitchFamily="34" charset="0"/>
-              </a:rPr>
-              <a:t>Based on the results we can suggest with confidence that the </a:t>
-            </a:r>
-            <a:r>
-              <a:rPr lang="en-US" sz="2000" dirty="0" err="1" smtClean="0">
-                <a:latin typeface="Calibri" panose="020F0502020204030204" pitchFamily="34" charset="0"/>
-                <a:ea typeface="Calibri" panose="020F0502020204030204" pitchFamily="34" charset="0"/>
-                <a:cs typeface="Arial" panose="020B0604020202020204" pitchFamily="34" charset="0"/>
-              </a:rPr>
-              <a:t>XGBoostClassifier</a:t>
-            </a:r>
-            <a:r>
-              <a:rPr lang="en-US" sz="2000" dirty="0" smtClean="0">
-                <a:latin typeface="Calibri" panose="020F0502020204030204" pitchFamily="34" charset="0"/>
-                <a:ea typeface="Calibri" panose="020F0502020204030204" pitchFamily="34" charset="0"/>
-                <a:cs typeface="Arial" panose="020B0604020202020204" pitchFamily="34" charset="0"/>
-              </a:rPr>
-              <a:t>  will fit the needs of the company.</a:t>
-            </a:r>
-          </a:p>
-          <a:p>
-            <a:r>
-              <a:rPr lang="en-US" sz="2000" dirty="0" smtClean="0">
-                <a:effectLst/>
-                <a:latin typeface="Calibri" panose="020F0502020204030204" pitchFamily="34" charset="0"/>
-                <a:ea typeface="Calibri" panose="020F0502020204030204" pitchFamily="34" charset="0"/>
-                <a:cs typeface="Arial" panose="020B0604020202020204" pitchFamily="34" charset="0"/>
-              </a:rPr>
-              <a:t>With a higher precision score </a:t>
-            </a:r>
-            <a:r>
-              <a:rPr lang="en-US" sz="2000" dirty="0">
-                <a:latin typeface="Calibri" panose="020F0502020204030204" pitchFamily="34" charset="0"/>
-                <a:ea typeface="Calibri" panose="020F0502020204030204" pitchFamily="34" charset="0"/>
-                <a:cs typeface="Arial" panose="020B0604020202020204" pitchFamily="34" charset="0"/>
-              </a:rPr>
-              <a:t>it indicates </a:t>
-            </a:r>
-            <a:r>
-              <a:rPr lang="en-US" sz="2000" dirty="0" smtClean="0">
-                <a:latin typeface="Calibri" panose="020F0502020204030204" pitchFamily="34" charset="0"/>
-                <a:ea typeface="Calibri" panose="020F0502020204030204" pitchFamily="34" charset="0"/>
-                <a:cs typeface="Arial" panose="020B0604020202020204" pitchFamily="34" charset="0"/>
-              </a:rPr>
-              <a:t>“How </a:t>
-            </a:r>
-            <a:r>
-              <a:rPr lang="en-US" sz="2000" dirty="0">
-                <a:latin typeface="Calibri" panose="020F0502020204030204" pitchFamily="34" charset="0"/>
-                <a:ea typeface="Calibri" panose="020F0502020204030204" pitchFamily="34" charset="0"/>
-                <a:cs typeface="Arial" panose="020B0604020202020204" pitchFamily="34" charset="0"/>
-              </a:rPr>
-              <a:t>many predicted values are relevant</a:t>
-            </a:r>
-            <a:r>
-              <a:rPr lang="en-US" sz="2000" dirty="0" smtClean="0">
-                <a:latin typeface="Calibri" panose="020F0502020204030204" pitchFamily="34" charset="0"/>
-                <a:ea typeface="Calibri" panose="020F0502020204030204" pitchFamily="34" charset="0"/>
-                <a:cs typeface="Arial" panose="020B0604020202020204" pitchFamily="34" charset="0"/>
-              </a:rPr>
-              <a:t>?”</a:t>
-            </a:r>
-            <a:endParaRPr lang="en-US" sz="2000" dirty="0">
-              <a:latin typeface="Calibri" panose="020F0502020204030204" pitchFamily="34" charset="0"/>
-              <a:ea typeface="Calibri" panose="020F0502020204030204" pitchFamily="34" charset="0"/>
-              <a:cs typeface="Arial" panose="020B0604020202020204" pitchFamily="34" charset="0"/>
-            </a:endParaRPr>
-          </a:p>
-          <a:p>
-            <a:r>
-              <a:rPr lang="en-US" sz="2000" dirty="0" smtClean="0">
-                <a:effectLst/>
-                <a:latin typeface="Calibri" panose="020F0502020204030204" pitchFamily="34" charset="0"/>
-                <a:ea typeface="Calibri" panose="020F0502020204030204" pitchFamily="34" charset="0"/>
-                <a:cs typeface="Arial" panose="020B0604020202020204" pitchFamily="34" charset="0"/>
-              </a:rPr>
-              <a:t>Recall </a:t>
-            </a:r>
-            <a:r>
-              <a:rPr lang="en-US" sz="2000" dirty="0">
-                <a:latin typeface="Calibri" panose="020F0502020204030204" pitchFamily="34" charset="0"/>
-                <a:ea typeface="Calibri" panose="020F0502020204030204" pitchFamily="34" charset="0"/>
-                <a:cs typeface="Arial" panose="020B0604020202020204" pitchFamily="34" charset="0"/>
-              </a:rPr>
-              <a:t>score that asks </a:t>
-            </a:r>
-            <a:r>
-              <a:rPr lang="en-US" sz="2000" dirty="0" smtClean="0">
-                <a:latin typeface="Calibri" panose="020F0502020204030204" pitchFamily="34" charset="0"/>
-                <a:ea typeface="Calibri" panose="020F0502020204030204" pitchFamily="34" charset="0"/>
-                <a:cs typeface="Arial" panose="020B0604020202020204" pitchFamily="34" charset="0"/>
-              </a:rPr>
-              <a:t>“How </a:t>
-            </a:r>
-            <a:r>
-              <a:rPr lang="en-US" sz="2000" dirty="0">
-                <a:latin typeface="Calibri" panose="020F0502020204030204" pitchFamily="34" charset="0"/>
-                <a:ea typeface="Calibri" panose="020F0502020204030204" pitchFamily="34" charset="0"/>
-                <a:cs typeface="Arial" panose="020B0604020202020204" pitchFamily="34" charset="0"/>
-              </a:rPr>
-              <a:t>many relevant items are </a:t>
-            </a:r>
-            <a:r>
-              <a:rPr lang="en-US" sz="2000" dirty="0" smtClean="0">
-                <a:latin typeface="Calibri" panose="020F0502020204030204" pitchFamily="34" charset="0"/>
-                <a:ea typeface="Calibri" panose="020F0502020204030204" pitchFamily="34" charset="0"/>
-                <a:cs typeface="Arial" panose="020B0604020202020204" pitchFamily="34" charset="0"/>
-              </a:rPr>
-              <a:t>selected?”</a:t>
-            </a:r>
-          </a:p>
-          <a:p>
-            <a:r>
-              <a:rPr lang="en-US" sz="2000" dirty="0" smtClean="0">
-                <a:effectLst/>
-                <a:latin typeface="Calibri" panose="020F0502020204030204" pitchFamily="34" charset="0"/>
-                <a:ea typeface="Calibri" panose="020F0502020204030204" pitchFamily="34" charset="0"/>
-                <a:cs typeface="Arial" panose="020B0604020202020204" pitchFamily="34" charset="0"/>
-              </a:rPr>
-              <a:t>And F1 score that is a measure using both precision and recall scores.</a:t>
-            </a:r>
-          </a:p>
-          <a:p>
-            <a:endParaRPr lang="en-US" sz="2000" dirty="0" smtClean="0">
-              <a:effectLst/>
-              <a:latin typeface="Calibri" panose="020F0502020204030204" pitchFamily="34" charset="0"/>
-              <a:ea typeface="Calibri" panose="020F0502020204030204" pitchFamily="34" charset="0"/>
-              <a:cs typeface="Arial" panose="020B0604020202020204" pitchFamily="34" charset="0"/>
-            </a:endParaRPr>
-          </a:p>
-          <a:p>
-            <a:r>
-              <a:rPr lang="en-US" sz="2000" dirty="0" smtClean="0">
-                <a:latin typeface="Calibri" panose="020F0502020204030204" pitchFamily="34" charset="0"/>
-                <a:ea typeface="Calibri" panose="020F0502020204030204" pitchFamily="34" charset="0"/>
-                <a:cs typeface="Arial" panose="020B0604020202020204" pitchFamily="34" charset="0"/>
-              </a:rPr>
-              <a:t>In conclusion it has provided </a:t>
-            </a:r>
-            <a:r>
-              <a:rPr lang="en-US" sz="2000" dirty="0">
-                <a:latin typeface="Calibri" panose="020F0502020204030204" pitchFamily="34" charset="0"/>
-                <a:ea typeface="Calibri" panose="020F0502020204030204" pitchFamily="34" charset="0"/>
-                <a:cs typeface="Arial" panose="020B0604020202020204" pitchFamily="34" charset="0"/>
-              </a:rPr>
-              <a:t>with satisfactory </a:t>
-            </a:r>
-            <a:r>
-              <a:rPr lang="en-US" sz="2000" dirty="0" smtClean="0">
-                <a:latin typeface="Calibri" panose="020F0502020204030204" pitchFamily="34" charset="0"/>
-                <a:ea typeface="Calibri" panose="020F0502020204030204" pitchFamily="34" charset="0"/>
-                <a:cs typeface="Arial" panose="020B0604020202020204" pitchFamily="34" charset="0"/>
-              </a:rPr>
-              <a:t>results.</a:t>
-            </a:r>
-          </a:p>
-          <a:p>
-            <a:r>
-              <a:rPr lang="en-US" sz="2000" dirty="0" smtClean="0">
-                <a:effectLst/>
-                <a:latin typeface="Calibri" panose="020F0502020204030204" pitchFamily="34" charset="0"/>
-                <a:ea typeface="Calibri" panose="020F0502020204030204" pitchFamily="34" charset="0"/>
-                <a:cs typeface="Arial" panose="020B0604020202020204" pitchFamily="34" charset="0"/>
-              </a:rPr>
-              <a:t>It’s a good model for the bank to try and reach out to new customers.</a:t>
-            </a:r>
-            <a:endParaRPr lang="el-GR" sz="2000" dirty="0">
-              <a:effectLst/>
-              <a:latin typeface="Calibri" panose="020F0502020204030204" pitchFamily="34" charset="0"/>
-              <a:ea typeface="Calibri" panose="020F0502020204030204" pitchFamily="34" charset="0"/>
-              <a:cs typeface="Arial" panose="020B0604020202020204" pitchFamily="34" charset="0"/>
-            </a:endParaRPr>
-          </a:p>
-        </p:txBody>
-      </p:sp>
+              <a:rPr lang="en-US" sz="2000" dirty="0" smtClean="0"/>
+              <a:t>Before we proceed into the final step </a:t>
+            </a:r>
+            <a:r>
+              <a:rPr lang="en-US" sz="2000" dirty="0"/>
+              <a:t>of our project we use boosting in order to see which features should be </a:t>
+            </a:r>
+            <a:r>
+              <a:rPr lang="en-US" sz="2000" dirty="0" smtClean="0"/>
+              <a:t>utilized </a:t>
+            </a:r>
+            <a:r>
+              <a:rPr lang="en-US" sz="2000" dirty="0"/>
+              <a:t>in our model</a:t>
+            </a:r>
+            <a:endParaRPr lang="en-US" sz="2000" dirty="0"/>
+          </a:p>
+        </p:txBody>
+      </p:sp>
+      <p:pic>
+        <p:nvPicPr>
+          <p:cNvPr id="5" name="Picture 4"/>
+          <p:cNvPicPr>
+            <a:picLocks noChangeAspect="1"/>
+          </p:cNvPicPr>
+          <p:nvPr/>
+        </p:nvPicPr>
+        <p:blipFill>
+          <a:blip r:embed="rId2">
+            <a:extLst>
+              <a:ext uri="{28A0092B-C50C-407E-A947-70E740481C1C}">
+                <a14:useLocalDpi xmlns:a14="http://schemas.microsoft.com/office/drawing/2010/main" val="0"/>
+              </a:ext>
+            </a:extLst>
+          </a:blip>
+          <a:stretch>
+            <a:fillRect/>
+          </a:stretch>
+        </p:blipFill>
+        <p:spPr>
+          <a:xfrm>
+            <a:off x="3273596" y="2399470"/>
+            <a:ext cx="5644808" cy="3763205"/>
+          </a:xfrm>
+          <a:prstGeom prst="rect">
+            <a:avLst/>
+          </a:prstGeom>
+        </p:spPr>
+      </p:pic>
     </p:spTree>
     <p:extLst>
       <p:ext uri="{BB962C8B-B14F-4D97-AF65-F5344CB8AC3E}">
-        <p14:creationId xmlns:p14="http://schemas.microsoft.com/office/powerpoint/2010/main" val="1094397725"/>
+        <p14:creationId xmlns:p14="http://schemas.microsoft.com/office/powerpoint/2010/main" val="3623058773"/>
       </p:ext>
     </p:extLst>
   </p:cSld>
@@ -6242,6 +6114,489 @@
 </file>
 
 <file path=ppt/slides/slide20.xml><?xml version="1.0" encoding="utf-8"?>
+<p:sld xmlns:a="http://schemas.openxmlformats.org/drawingml/2006/main" xmlns:r="http://schemas.openxmlformats.org/officeDocument/2006/relationships" xmlns:p="http://schemas.openxmlformats.org/presentationml/2006/main">
+  <p:cSld>
+    <p:spTree>
+      <p:nvGrpSpPr>
+        <p:cNvPr id="1" name=""/>
+        <p:cNvGrpSpPr/>
+        <p:nvPr/>
+      </p:nvGrpSpPr>
+      <p:grpSpPr>
+        <a:xfrm>
+          <a:off x="0" y="0"/>
+          <a:ext cx="0" cy="0"/>
+          <a:chOff x="0" y="0"/>
+          <a:chExt cx="0" cy="0"/>
+        </a:xfrm>
+      </p:grpSpPr>
+      <p:sp>
+        <p:nvSpPr>
+          <p:cNvPr id="2" name="Τίτλος 1">
+            <a:extLst>
+              <a:ext uri="{FF2B5EF4-FFF2-40B4-BE49-F238E27FC236}">
+                <a16:creationId xmlns:a16="http://schemas.microsoft.com/office/drawing/2014/main" id="{27748B46-191C-4386-A10E-658D989F6478}"/>
+              </a:ext>
+            </a:extLst>
+          </p:cNvPr>
+          <p:cNvSpPr>
+            <a:spLocks noGrp="1"/>
+          </p:cNvSpPr>
+          <p:nvPr>
+            <p:ph type="title"/>
+          </p:nvPr>
+        </p:nvSpPr>
+        <p:spPr>
+          <a:solidFill>
+            <a:schemeClr val="tx1">
+              <a:lumMod val="75000"/>
+              <a:lumOff val="25000"/>
+            </a:schemeClr>
+          </a:solidFill>
+        </p:spPr>
+        <p:txBody>
+          <a:bodyPr>
+            <a:normAutofit/>
+          </a:bodyPr>
+          <a:lstStyle/>
+          <a:p>
+            <a:r>
+              <a:rPr lang="en-US" sz="4000" dirty="0">
+                <a:solidFill>
+                  <a:schemeClr val="accent2"/>
+                </a:solidFill>
+              </a:rPr>
+              <a:t>Results – Metrics</a:t>
+            </a:r>
+            <a:endParaRPr lang="el-GR" sz="4000" dirty="0">
+              <a:solidFill>
+                <a:schemeClr val="accent2"/>
+              </a:solidFill>
+            </a:endParaRPr>
+          </a:p>
+        </p:txBody>
+      </p:sp>
+      <p:sp>
+        <p:nvSpPr>
+          <p:cNvPr id="3" name="Θέση περιεχομένου 2">
+            <a:extLst>
+              <a:ext uri="{FF2B5EF4-FFF2-40B4-BE49-F238E27FC236}">
+                <a16:creationId xmlns:a16="http://schemas.microsoft.com/office/drawing/2014/main" id="{0BE4B804-D3C3-4A39-BBE1-C87777A55F7C}"/>
+              </a:ext>
+            </a:extLst>
+          </p:cNvPr>
+          <p:cNvSpPr>
+            <a:spLocks noGrp="1"/>
+          </p:cNvSpPr>
+          <p:nvPr>
+            <p:ph idx="1"/>
+          </p:nvPr>
+        </p:nvSpPr>
+        <p:spPr>
+          <a:xfrm>
+            <a:off x="838200" y="1951892"/>
+            <a:ext cx="10515600" cy="4210783"/>
+          </a:xfrm>
+        </p:spPr>
+        <p:txBody>
+          <a:bodyPr>
+            <a:normAutofit/>
+          </a:bodyPr>
+          <a:lstStyle/>
+          <a:p>
+            <a:r>
+              <a:rPr lang="en-US" sz="2000" dirty="0" smtClean="0"/>
+              <a:t>As </a:t>
+            </a:r>
+            <a:r>
+              <a:rPr lang="en-US" sz="2000" dirty="0"/>
+              <a:t>we can see, the most important features are duration, </a:t>
+            </a:r>
+            <a:r>
+              <a:rPr lang="en-US" sz="2000" dirty="0" err="1"/>
+              <a:t>nr.employed</a:t>
+            </a:r>
+            <a:r>
+              <a:rPr lang="en-US" sz="2000" dirty="0"/>
+              <a:t>, euribor3m, </a:t>
+            </a:r>
+            <a:r>
+              <a:rPr lang="en-US" sz="2000" dirty="0" err="1"/>
+              <a:t>pdays</a:t>
+            </a:r>
+            <a:r>
+              <a:rPr lang="en-US" sz="2000" dirty="0"/>
+              <a:t> and </a:t>
+            </a:r>
+            <a:r>
+              <a:rPr lang="en-US" sz="2000" dirty="0" err="1"/>
+              <a:t>cons.conf.idx</a:t>
+            </a:r>
+            <a:endParaRPr lang="en-US" sz="2000" dirty="0"/>
+          </a:p>
+          <a:p>
+            <a:r>
+              <a:rPr lang="en-US" sz="2000" dirty="0" smtClean="0"/>
+              <a:t>Finally</a:t>
+            </a:r>
+            <a:r>
+              <a:rPr lang="en-US" sz="2000" dirty="0"/>
+              <a:t>, we apply </a:t>
+            </a:r>
+            <a:r>
+              <a:rPr lang="en-US" sz="2000" dirty="0" smtClean="0"/>
+              <a:t>the important features into our </a:t>
+            </a:r>
+            <a:r>
+              <a:rPr lang="en-US" sz="2000" dirty="0" err="1"/>
+              <a:t>XGboost</a:t>
+            </a:r>
+            <a:r>
+              <a:rPr lang="en-US" sz="2000" dirty="0"/>
+              <a:t> </a:t>
+            </a:r>
+            <a:r>
+              <a:rPr lang="en-US" sz="2000" dirty="0" smtClean="0"/>
+              <a:t>model, </a:t>
+            </a:r>
+            <a:r>
+              <a:rPr lang="en-US" sz="2000" dirty="0"/>
+              <a:t>since it provided the best performance in the previous assignment</a:t>
+            </a:r>
+            <a:endParaRPr lang="en-US" sz="2000" dirty="0"/>
+          </a:p>
+        </p:txBody>
+      </p:sp>
+      <p:pic>
+        <p:nvPicPr>
+          <p:cNvPr id="6" name="Picture 5"/>
+          <p:cNvPicPr>
+            <a:picLocks noChangeAspect="1"/>
+          </p:cNvPicPr>
+          <p:nvPr/>
+        </p:nvPicPr>
+        <p:blipFill>
+          <a:blip r:embed="rId2"/>
+          <a:stretch>
+            <a:fillRect/>
+          </a:stretch>
+        </p:blipFill>
+        <p:spPr>
+          <a:xfrm>
+            <a:off x="4650310" y="3669355"/>
+            <a:ext cx="2891379" cy="2195308"/>
+          </a:xfrm>
+          <a:prstGeom prst="rect">
+            <a:avLst/>
+          </a:prstGeom>
+        </p:spPr>
+      </p:pic>
+    </p:spTree>
+    <p:extLst>
+      <p:ext uri="{BB962C8B-B14F-4D97-AF65-F5344CB8AC3E}">
+        <p14:creationId xmlns:p14="http://schemas.microsoft.com/office/powerpoint/2010/main" val="1265180358"/>
+      </p:ext>
+    </p:extLst>
+  </p:cSld>
+  <p:clrMapOvr>
+    <a:masterClrMapping/>
+  </p:clrMapOvr>
+</p:sld>
+</file>
+
+<file path=ppt/slides/slide21.xml><?xml version="1.0" encoding="utf-8"?>
+<p:sld xmlns:a="http://schemas.openxmlformats.org/drawingml/2006/main" xmlns:r="http://schemas.openxmlformats.org/officeDocument/2006/relationships" xmlns:p="http://schemas.openxmlformats.org/presentationml/2006/main">
+  <p:cSld>
+    <p:spTree>
+      <p:nvGrpSpPr>
+        <p:cNvPr id="1" name=""/>
+        <p:cNvGrpSpPr/>
+        <p:nvPr/>
+      </p:nvGrpSpPr>
+      <p:grpSpPr>
+        <a:xfrm>
+          <a:off x="0" y="0"/>
+          <a:ext cx="0" cy="0"/>
+          <a:chOff x="0" y="0"/>
+          <a:chExt cx="0" cy="0"/>
+        </a:xfrm>
+      </p:grpSpPr>
+      <p:sp>
+        <p:nvSpPr>
+          <p:cNvPr id="2" name="Τίτλος 1">
+            <a:extLst>
+              <a:ext uri="{FF2B5EF4-FFF2-40B4-BE49-F238E27FC236}">
+                <a16:creationId xmlns:a16="http://schemas.microsoft.com/office/drawing/2014/main" id="{27748B46-191C-4386-A10E-658D989F6478}"/>
+              </a:ext>
+            </a:extLst>
+          </p:cNvPr>
+          <p:cNvSpPr>
+            <a:spLocks noGrp="1"/>
+          </p:cNvSpPr>
+          <p:nvPr>
+            <p:ph type="title"/>
+          </p:nvPr>
+        </p:nvSpPr>
+        <p:spPr>
+          <a:solidFill>
+            <a:schemeClr val="tx1">
+              <a:lumMod val="75000"/>
+              <a:lumOff val="25000"/>
+            </a:schemeClr>
+          </a:solidFill>
+        </p:spPr>
+        <p:txBody>
+          <a:bodyPr>
+            <a:normAutofit/>
+          </a:bodyPr>
+          <a:lstStyle/>
+          <a:p>
+            <a:r>
+              <a:rPr lang="en-US" sz="4000" dirty="0" smtClean="0">
+                <a:solidFill>
+                  <a:schemeClr val="accent2"/>
+                </a:solidFill>
+              </a:rPr>
+              <a:t>Final Model Selection</a:t>
+            </a:r>
+            <a:endParaRPr lang="el-GR" sz="4000" dirty="0">
+              <a:solidFill>
+                <a:schemeClr val="accent2"/>
+              </a:solidFill>
+            </a:endParaRPr>
+          </a:p>
+        </p:txBody>
+      </p:sp>
+      <p:sp>
+        <p:nvSpPr>
+          <p:cNvPr id="3" name="Θέση περιεχομένου 2">
+            <a:extLst>
+              <a:ext uri="{FF2B5EF4-FFF2-40B4-BE49-F238E27FC236}">
+                <a16:creationId xmlns:a16="http://schemas.microsoft.com/office/drawing/2014/main" id="{0BE4B804-D3C3-4A39-BBE1-C87777A55F7C}"/>
+              </a:ext>
+            </a:extLst>
+          </p:cNvPr>
+          <p:cNvSpPr>
+            <a:spLocks noGrp="1"/>
+          </p:cNvSpPr>
+          <p:nvPr>
+            <p:ph idx="1"/>
+          </p:nvPr>
+        </p:nvSpPr>
+        <p:spPr>
+          <a:xfrm>
+            <a:off x="838200" y="1951892"/>
+            <a:ext cx="10515600" cy="4210783"/>
+          </a:xfrm>
+        </p:spPr>
+        <p:txBody>
+          <a:bodyPr>
+            <a:normAutofit/>
+          </a:bodyPr>
+          <a:lstStyle/>
+          <a:p>
+            <a:r>
+              <a:rPr lang="en-US" sz="2000" dirty="0" smtClean="0">
+                <a:latin typeface="Calibri" panose="020F0502020204030204" pitchFamily="34" charset="0"/>
+                <a:ea typeface="Calibri" panose="020F0502020204030204" pitchFamily="34" charset="0"/>
+                <a:cs typeface="Arial" panose="020B0604020202020204" pitchFamily="34" charset="0"/>
+              </a:rPr>
+              <a:t>Based on the results we can suggest with confidence that the </a:t>
+            </a:r>
+            <a:r>
+              <a:rPr lang="en-US" sz="2000" dirty="0" err="1" smtClean="0">
+                <a:latin typeface="Calibri" panose="020F0502020204030204" pitchFamily="34" charset="0"/>
+                <a:ea typeface="Calibri" panose="020F0502020204030204" pitchFamily="34" charset="0"/>
+                <a:cs typeface="Arial" panose="020B0604020202020204" pitchFamily="34" charset="0"/>
+              </a:rPr>
+              <a:t>XGBoost</a:t>
+            </a:r>
+            <a:r>
+              <a:rPr lang="en-US" sz="2000" dirty="0" smtClean="0">
+                <a:latin typeface="Calibri" panose="020F0502020204030204" pitchFamily="34" charset="0"/>
+                <a:ea typeface="Calibri" panose="020F0502020204030204" pitchFamily="34" charset="0"/>
+                <a:cs typeface="Arial" panose="020B0604020202020204" pitchFamily="34" charset="0"/>
+              </a:rPr>
+              <a:t> will </a:t>
+            </a:r>
+            <a:r>
+              <a:rPr lang="en-US" sz="2000" dirty="0" smtClean="0">
+                <a:latin typeface="Calibri" panose="020F0502020204030204" pitchFamily="34" charset="0"/>
+                <a:ea typeface="Calibri" panose="020F0502020204030204" pitchFamily="34" charset="0"/>
+                <a:cs typeface="Arial" panose="020B0604020202020204" pitchFamily="34" charset="0"/>
+              </a:rPr>
+              <a:t>fit the needs of the company.</a:t>
+            </a:r>
+          </a:p>
+          <a:p>
+            <a:r>
+              <a:rPr lang="en-US" sz="2000" dirty="0" smtClean="0">
+                <a:effectLst/>
+                <a:latin typeface="Calibri" panose="020F0502020204030204" pitchFamily="34" charset="0"/>
+                <a:ea typeface="Calibri" panose="020F0502020204030204" pitchFamily="34" charset="0"/>
+                <a:cs typeface="Arial" panose="020B0604020202020204" pitchFamily="34" charset="0"/>
+              </a:rPr>
+              <a:t>With a higher precision score </a:t>
+            </a:r>
+            <a:r>
+              <a:rPr lang="en-US" sz="2000" dirty="0">
+                <a:latin typeface="Calibri" panose="020F0502020204030204" pitchFamily="34" charset="0"/>
+                <a:ea typeface="Calibri" panose="020F0502020204030204" pitchFamily="34" charset="0"/>
+                <a:cs typeface="Arial" panose="020B0604020202020204" pitchFamily="34" charset="0"/>
+              </a:rPr>
+              <a:t>it indicates </a:t>
+            </a:r>
+            <a:r>
+              <a:rPr lang="en-US" sz="2000" dirty="0" smtClean="0">
+                <a:latin typeface="Calibri" panose="020F0502020204030204" pitchFamily="34" charset="0"/>
+                <a:ea typeface="Calibri" panose="020F0502020204030204" pitchFamily="34" charset="0"/>
+                <a:cs typeface="Arial" panose="020B0604020202020204" pitchFamily="34" charset="0"/>
+              </a:rPr>
+              <a:t>“How </a:t>
+            </a:r>
+            <a:r>
+              <a:rPr lang="en-US" sz="2000" dirty="0">
+                <a:latin typeface="Calibri" panose="020F0502020204030204" pitchFamily="34" charset="0"/>
+                <a:ea typeface="Calibri" panose="020F0502020204030204" pitchFamily="34" charset="0"/>
+                <a:cs typeface="Arial" panose="020B0604020202020204" pitchFamily="34" charset="0"/>
+              </a:rPr>
+              <a:t>many predicted values are relevant</a:t>
+            </a:r>
+            <a:r>
+              <a:rPr lang="en-US" sz="2000" dirty="0" smtClean="0">
+                <a:latin typeface="Calibri" panose="020F0502020204030204" pitchFamily="34" charset="0"/>
+                <a:ea typeface="Calibri" panose="020F0502020204030204" pitchFamily="34" charset="0"/>
+                <a:cs typeface="Arial" panose="020B0604020202020204" pitchFamily="34" charset="0"/>
+              </a:rPr>
+              <a:t>?”</a:t>
+            </a:r>
+            <a:endParaRPr lang="en-US" sz="2000" dirty="0">
+              <a:latin typeface="Calibri" panose="020F0502020204030204" pitchFamily="34" charset="0"/>
+              <a:ea typeface="Calibri" panose="020F0502020204030204" pitchFamily="34" charset="0"/>
+              <a:cs typeface="Arial" panose="020B0604020202020204" pitchFamily="34" charset="0"/>
+            </a:endParaRPr>
+          </a:p>
+          <a:p>
+            <a:r>
+              <a:rPr lang="en-US" sz="2000" dirty="0" smtClean="0">
+                <a:effectLst/>
+                <a:latin typeface="Calibri" panose="020F0502020204030204" pitchFamily="34" charset="0"/>
+                <a:ea typeface="Calibri" panose="020F0502020204030204" pitchFamily="34" charset="0"/>
+                <a:cs typeface="Arial" panose="020B0604020202020204" pitchFamily="34" charset="0"/>
+              </a:rPr>
+              <a:t>Recall </a:t>
+            </a:r>
+            <a:r>
+              <a:rPr lang="en-US" sz="2000" dirty="0">
+                <a:latin typeface="Calibri" panose="020F0502020204030204" pitchFamily="34" charset="0"/>
+                <a:ea typeface="Calibri" panose="020F0502020204030204" pitchFamily="34" charset="0"/>
+                <a:cs typeface="Arial" panose="020B0604020202020204" pitchFamily="34" charset="0"/>
+              </a:rPr>
+              <a:t>score that asks </a:t>
+            </a:r>
+            <a:r>
+              <a:rPr lang="en-US" sz="2000" dirty="0" smtClean="0">
+                <a:latin typeface="Calibri" panose="020F0502020204030204" pitchFamily="34" charset="0"/>
+                <a:ea typeface="Calibri" panose="020F0502020204030204" pitchFamily="34" charset="0"/>
+                <a:cs typeface="Arial" panose="020B0604020202020204" pitchFamily="34" charset="0"/>
+              </a:rPr>
+              <a:t>“How </a:t>
+            </a:r>
+            <a:r>
+              <a:rPr lang="en-US" sz="2000" dirty="0">
+                <a:latin typeface="Calibri" panose="020F0502020204030204" pitchFamily="34" charset="0"/>
+                <a:ea typeface="Calibri" panose="020F0502020204030204" pitchFamily="34" charset="0"/>
+                <a:cs typeface="Arial" panose="020B0604020202020204" pitchFamily="34" charset="0"/>
+              </a:rPr>
+              <a:t>many relevant items are </a:t>
+            </a:r>
+            <a:r>
+              <a:rPr lang="en-US" sz="2000" dirty="0" smtClean="0">
+                <a:latin typeface="Calibri" panose="020F0502020204030204" pitchFamily="34" charset="0"/>
+                <a:ea typeface="Calibri" panose="020F0502020204030204" pitchFamily="34" charset="0"/>
+                <a:cs typeface="Arial" panose="020B0604020202020204" pitchFamily="34" charset="0"/>
+              </a:rPr>
+              <a:t>selected?”</a:t>
+            </a:r>
+          </a:p>
+          <a:p>
+            <a:r>
+              <a:rPr lang="en-US" sz="2000" dirty="0" smtClean="0">
+                <a:effectLst/>
+                <a:latin typeface="Calibri" panose="020F0502020204030204" pitchFamily="34" charset="0"/>
+                <a:ea typeface="Calibri" panose="020F0502020204030204" pitchFamily="34" charset="0"/>
+                <a:cs typeface="Arial" panose="020B0604020202020204" pitchFamily="34" charset="0"/>
+              </a:rPr>
+              <a:t>And F1 score that is a measure using both precision and recall scores.</a:t>
+            </a:r>
+          </a:p>
+          <a:p>
+            <a:endParaRPr lang="en-US" sz="2000" dirty="0" smtClean="0">
+              <a:effectLst/>
+              <a:latin typeface="Calibri" panose="020F0502020204030204" pitchFamily="34" charset="0"/>
+              <a:ea typeface="Calibri" panose="020F0502020204030204" pitchFamily="34" charset="0"/>
+              <a:cs typeface="Arial" panose="020B0604020202020204" pitchFamily="34" charset="0"/>
+            </a:endParaRPr>
+          </a:p>
+          <a:p>
+            <a:r>
+              <a:rPr lang="en-US" sz="2000" dirty="0" smtClean="0">
+                <a:latin typeface="Calibri" panose="020F0502020204030204" pitchFamily="34" charset="0"/>
+                <a:ea typeface="Calibri" panose="020F0502020204030204" pitchFamily="34" charset="0"/>
+                <a:cs typeface="Arial" panose="020B0604020202020204" pitchFamily="34" charset="0"/>
+              </a:rPr>
+              <a:t>In conclusion it has provided </a:t>
+            </a:r>
+            <a:r>
+              <a:rPr lang="en-US" sz="2000" dirty="0">
+                <a:latin typeface="Calibri" panose="020F0502020204030204" pitchFamily="34" charset="0"/>
+                <a:ea typeface="Calibri" panose="020F0502020204030204" pitchFamily="34" charset="0"/>
+                <a:cs typeface="Arial" panose="020B0604020202020204" pitchFamily="34" charset="0"/>
+              </a:rPr>
+              <a:t>with satisfactory </a:t>
+            </a:r>
+            <a:r>
+              <a:rPr lang="en-US" sz="2000" dirty="0" smtClean="0">
+                <a:latin typeface="Calibri" panose="020F0502020204030204" pitchFamily="34" charset="0"/>
+                <a:ea typeface="Calibri" panose="020F0502020204030204" pitchFamily="34" charset="0"/>
+                <a:cs typeface="Arial" panose="020B0604020202020204" pitchFamily="34" charset="0"/>
+              </a:rPr>
+              <a:t>results.</a:t>
+            </a:r>
+          </a:p>
+          <a:p>
+            <a:r>
+              <a:rPr lang="en-US" sz="2000" dirty="0" smtClean="0">
+                <a:effectLst/>
+                <a:latin typeface="Calibri" panose="020F0502020204030204" pitchFamily="34" charset="0"/>
+                <a:ea typeface="Calibri" panose="020F0502020204030204" pitchFamily="34" charset="0"/>
+                <a:cs typeface="Arial" panose="020B0604020202020204" pitchFamily="34" charset="0"/>
+              </a:rPr>
+              <a:t>It’s a good model for the bank to try and reach out to new customers.</a:t>
+            </a:r>
+            <a:endParaRPr lang="el-GR" sz="2000" dirty="0">
+              <a:effectLst/>
+              <a:latin typeface="Calibri" panose="020F0502020204030204" pitchFamily="34" charset="0"/>
+              <a:ea typeface="Calibri" panose="020F0502020204030204" pitchFamily="34" charset="0"/>
+              <a:cs typeface="Arial" panose="020B0604020202020204" pitchFamily="34" charset="0"/>
+            </a:endParaRPr>
+          </a:p>
+        </p:txBody>
+      </p:sp>
+    </p:spTree>
+    <p:extLst>
+      <p:ext uri="{BB962C8B-B14F-4D97-AF65-F5344CB8AC3E}">
+        <p14:creationId xmlns:p14="http://schemas.microsoft.com/office/powerpoint/2010/main" val="1094397725"/>
+      </p:ext>
+    </p:extLst>
+  </p:cSld>
+  <p:clrMapOvr>
+    <a:masterClrMapping/>
+  </p:clrMapOvr>
+</p:sld>
+</file>
+
+<file path=ppt/slides/slide22.xml><?xml version="1.0" encoding="utf-8"?>
 <p:sld xmlns:a="http://schemas.openxmlformats.org/drawingml/2006/main" xmlns:r="http://schemas.openxmlformats.org/officeDocument/2006/relationships" xmlns:p="http://schemas.openxmlformats.org/presentationml/2006/main">
   <p:cSld>
     <p:spTree>
